--- a/Docs/Clean Architecture.pptx
+++ b/Docs/Clean Architecture.pptx
@@ -7,11 +7,13 @@
   <p:sldIdLst>
     <p:sldId id="256" r:id="rId2"/>
     <p:sldId id="260" r:id="rId3"/>
-    <p:sldId id="261" r:id="rId4"/>
-    <p:sldId id="263" r:id="rId5"/>
-    <p:sldId id="262" r:id="rId6"/>
-    <p:sldId id="257" r:id="rId7"/>
-    <p:sldId id="258" r:id="rId8"/>
+    <p:sldId id="264" r:id="rId4"/>
+    <p:sldId id="265" r:id="rId5"/>
+    <p:sldId id="261" r:id="rId6"/>
+    <p:sldId id="263" r:id="rId7"/>
+    <p:sldId id="262" r:id="rId8"/>
+    <p:sldId id="257" r:id="rId9"/>
+    <p:sldId id="258" r:id="rId10"/>
   </p:sldIdLst>
   <p:sldSz cx="12192000" cy="6858000"/>
   <p:notesSz cx="6858000" cy="9144000"/>
@@ -8227,6 +8229,664 @@
           <p:cNvPr id="2" name="Nadpis 1">
             <a:extLst>
               <a:ext uri="{FF2B5EF4-FFF2-40B4-BE49-F238E27FC236}">
+                <a16:creationId xmlns:a16="http://schemas.microsoft.com/office/drawing/2014/main" id="{32E904A7-C4D7-477F-A29F-53A28D9C4D6E}"/>
+              </a:ext>
+            </a:extLst>
+          </p:cNvPr>
+          <p:cNvSpPr>
+            <a:spLocks noGrp="1"/>
+          </p:cNvSpPr>
+          <p:nvPr>
+            <p:ph type="title"/>
+          </p:nvPr>
+        </p:nvSpPr>
+        <p:spPr/>
+        <p:txBody>
+          <a:bodyPr/>
+          <a:lstStyle/>
+          <a:p>
+            <a:endParaRPr lang="cs-CZ"/>
+          </a:p>
+        </p:txBody>
+      </p:sp>
+      <p:sp>
+        <p:nvSpPr>
+          <p:cNvPr id="3" name="Zástupný symbol pro obsah 2">
+            <a:extLst>
+              <a:ext uri="{FF2B5EF4-FFF2-40B4-BE49-F238E27FC236}">
+                <a16:creationId xmlns:a16="http://schemas.microsoft.com/office/drawing/2014/main" id="{5964B000-B2FC-4D83-8979-C257484EFFFE}"/>
+              </a:ext>
+            </a:extLst>
+          </p:cNvPr>
+          <p:cNvSpPr>
+            <a:spLocks noGrp="1"/>
+          </p:cNvSpPr>
+          <p:nvPr>
+            <p:ph idx="1"/>
+          </p:nvPr>
+        </p:nvSpPr>
+        <p:spPr>
+          <a:xfrm>
+            <a:off x="5772727" y="2498959"/>
+            <a:ext cx="4521455" cy="3599316"/>
+          </a:xfrm>
+        </p:spPr>
+        <p:txBody>
+          <a:bodyPr>
+            <a:normAutofit fontScale="40000" lnSpcReduction="20000"/>
+          </a:bodyPr>
+          <a:lstStyle/>
+          <a:p>
+            <a:r>
+              <a:rPr lang="cs-CZ" b="1" dirty="0"/>
+              <a:t>✅ S – Single </a:t>
+            </a:r>
+            <a:r>
+              <a:rPr lang="cs-CZ" b="1" dirty="0" err="1"/>
+              <a:t>Responsibility</a:t>
+            </a:r>
+            <a:r>
+              <a:rPr lang="cs-CZ" b="1" dirty="0"/>
+              <a:t> </a:t>
+            </a:r>
+            <a:r>
+              <a:rPr lang="cs-CZ" b="1" dirty="0" err="1"/>
+              <a:t>Principle</a:t>
+            </a:r>
+            <a:r>
+              <a:rPr lang="cs-CZ" b="1" dirty="0"/>
+              <a:t> (SRP)</a:t>
+            </a:r>
+          </a:p>
+          <a:p>
+            <a:r>
+              <a:rPr lang="cs-CZ" b="1" dirty="0"/>
+              <a:t>Princip jediné zodpovědnosti</a:t>
+            </a:r>
+            <a:br>
+              <a:rPr lang="cs-CZ" dirty="0"/>
+            </a:br>
+            <a:r>
+              <a:rPr lang="cs-CZ" dirty="0"/>
+              <a:t>Třída by měla mít </a:t>
+            </a:r>
+            <a:r>
+              <a:rPr lang="cs-CZ" b="1" dirty="0"/>
+              <a:t>pouze jeden důvod ke změně</a:t>
+            </a:r>
+            <a:r>
+              <a:rPr lang="cs-CZ" dirty="0"/>
+              <a:t> – tedy dělat jednu věc a dělat ji dobře.</a:t>
+            </a:r>
+          </a:p>
+          <a:p>
+            <a:r>
+              <a:rPr lang="cs-CZ" b="1" dirty="0"/>
+              <a:t>✅ O – Open/</a:t>
+            </a:r>
+            <a:r>
+              <a:rPr lang="cs-CZ" b="1" dirty="0" err="1"/>
+              <a:t>Closed</a:t>
+            </a:r>
+            <a:r>
+              <a:rPr lang="cs-CZ" b="1" dirty="0"/>
+              <a:t> </a:t>
+            </a:r>
+            <a:r>
+              <a:rPr lang="cs-CZ" b="1" dirty="0" err="1"/>
+              <a:t>Principle</a:t>
+            </a:r>
+            <a:r>
+              <a:rPr lang="cs-CZ" b="1" dirty="0"/>
+              <a:t> (OCP)</a:t>
+            </a:r>
+          </a:p>
+          <a:p>
+            <a:r>
+              <a:rPr lang="cs-CZ" b="1" dirty="0"/>
+              <a:t>Princip otevřenosti/uzavřenosti</a:t>
+            </a:r>
+            <a:br>
+              <a:rPr lang="cs-CZ" dirty="0"/>
+            </a:br>
+            <a:r>
+              <a:rPr lang="cs-CZ" dirty="0"/>
+              <a:t>Moduly (třídy, funkce) by měly být </a:t>
+            </a:r>
+            <a:r>
+              <a:rPr lang="cs-CZ" b="1" dirty="0"/>
+              <a:t>otevřené pro rozšíření</a:t>
+            </a:r>
+            <a:r>
+              <a:rPr lang="cs-CZ" dirty="0"/>
+              <a:t>, ale </a:t>
+            </a:r>
+            <a:r>
+              <a:rPr lang="cs-CZ" b="1" dirty="0"/>
+              <a:t>uzavřené pro modifikaci</a:t>
+            </a:r>
+            <a:r>
+              <a:rPr lang="cs-CZ" dirty="0"/>
+              <a:t>.</a:t>
+            </a:r>
+          </a:p>
+          <a:p>
+            <a:r>
+              <a:rPr lang="cs-CZ" b="1" dirty="0"/>
+              <a:t>✅ L – </a:t>
+            </a:r>
+            <a:r>
+              <a:rPr lang="cs-CZ" b="1" dirty="0" err="1"/>
+              <a:t>Liskov</a:t>
+            </a:r>
+            <a:r>
+              <a:rPr lang="cs-CZ" b="1" dirty="0"/>
+              <a:t> </a:t>
+            </a:r>
+            <a:r>
+              <a:rPr lang="cs-CZ" b="1" dirty="0" err="1"/>
+              <a:t>Substitution</a:t>
+            </a:r>
+            <a:r>
+              <a:rPr lang="cs-CZ" b="1" dirty="0"/>
+              <a:t> </a:t>
+            </a:r>
+            <a:r>
+              <a:rPr lang="cs-CZ" b="1" dirty="0" err="1"/>
+              <a:t>Principle</a:t>
+            </a:r>
+            <a:r>
+              <a:rPr lang="cs-CZ" b="1" dirty="0"/>
+              <a:t> (LSP)</a:t>
+            </a:r>
+          </a:p>
+          <a:p>
+            <a:r>
+              <a:rPr lang="cs-CZ" b="1" dirty="0"/>
+              <a:t>Princip záměnnosti podle </a:t>
+            </a:r>
+            <a:r>
+              <a:rPr lang="cs-CZ" b="1" dirty="0" err="1"/>
+              <a:t>Liskovové</a:t>
+            </a:r>
+            <a:br>
+              <a:rPr lang="cs-CZ" dirty="0"/>
+            </a:br>
+            <a:r>
+              <a:rPr lang="cs-CZ" dirty="0"/>
+              <a:t>Objekty podtřídy musí být </a:t>
+            </a:r>
+            <a:r>
+              <a:rPr lang="cs-CZ" b="1" dirty="0"/>
+              <a:t>plně nahraditelné za objekty nadtřídy</a:t>
+            </a:r>
+            <a:r>
+              <a:rPr lang="cs-CZ" dirty="0"/>
+              <a:t> bez změny chování programu.</a:t>
+            </a:r>
+          </a:p>
+          <a:p>
+            <a:r>
+              <a:rPr lang="cs-CZ" b="1" dirty="0"/>
+              <a:t>✅ I – Interface </a:t>
+            </a:r>
+            <a:r>
+              <a:rPr lang="cs-CZ" b="1" dirty="0" err="1"/>
+              <a:t>Segregation</a:t>
+            </a:r>
+            <a:r>
+              <a:rPr lang="cs-CZ" b="1" dirty="0"/>
+              <a:t> </a:t>
+            </a:r>
+            <a:r>
+              <a:rPr lang="cs-CZ" b="1" dirty="0" err="1"/>
+              <a:t>Principle</a:t>
+            </a:r>
+            <a:r>
+              <a:rPr lang="cs-CZ" b="1" dirty="0"/>
+              <a:t> (ISP)</a:t>
+            </a:r>
+          </a:p>
+          <a:p>
+            <a:r>
+              <a:rPr lang="cs-CZ" b="1" dirty="0"/>
+              <a:t>Princip segregace rozhraní</a:t>
+            </a:r>
+            <a:br>
+              <a:rPr lang="cs-CZ" dirty="0"/>
+            </a:br>
+            <a:r>
+              <a:rPr lang="cs-CZ" dirty="0"/>
+              <a:t>Klienti by neměli být nuceni implementovat </a:t>
+            </a:r>
+            <a:r>
+              <a:rPr lang="cs-CZ" b="1" dirty="0"/>
+              <a:t>rozhraní, která nepoužívají</a:t>
+            </a:r>
+            <a:r>
+              <a:rPr lang="cs-CZ" dirty="0"/>
+              <a:t> – rozděluj velká rozhraní na menší.</a:t>
+            </a:r>
+          </a:p>
+          <a:p>
+            <a:r>
+              <a:rPr lang="cs-CZ" b="1" dirty="0"/>
+              <a:t>✅ D – </a:t>
+            </a:r>
+            <a:r>
+              <a:rPr lang="cs-CZ" b="1" dirty="0" err="1"/>
+              <a:t>Dependency</a:t>
+            </a:r>
+            <a:r>
+              <a:rPr lang="cs-CZ" b="1" dirty="0"/>
+              <a:t> </a:t>
+            </a:r>
+            <a:r>
+              <a:rPr lang="cs-CZ" b="1" dirty="0" err="1"/>
+              <a:t>Inversion</a:t>
+            </a:r>
+            <a:r>
+              <a:rPr lang="cs-CZ" b="1" dirty="0"/>
+              <a:t> </a:t>
+            </a:r>
+            <a:r>
+              <a:rPr lang="cs-CZ" b="1" dirty="0" err="1"/>
+              <a:t>Principle</a:t>
+            </a:r>
+            <a:r>
+              <a:rPr lang="cs-CZ" b="1" dirty="0"/>
+              <a:t> (DIP)</a:t>
+            </a:r>
+          </a:p>
+          <a:p>
+            <a:r>
+              <a:rPr lang="cs-CZ" b="1" dirty="0"/>
+              <a:t>Princip inverze závislostí</a:t>
+            </a:r>
+            <a:br>
+              <a:rPr lang="cs-CZ" dirty="0"/>
+            </a:br>
+            <a:r>
+              <a:rPr lang="cs-CZ" dirty="0"/>
+              <a:t>Vysokou úroveň by neměla ovlivňovat </a:t>
+            </a:r>
+            <a:r>
+              <a:rPr lang="cs-CZ" dirty="0" err="1"/>
+              <a:t>nízkoúrovňová</a:t>
+            </a:r>
+            <a:r>
+              <a:rPr lang="cs-CZ" dirty="0"/>
+              <a:t> implementace. </a:t>
+            </a:r>
+            <a:r>
+              <a:rPr lang="cs-CZ" b="1" dirty="0"/>
+              <a:t>Závislosti by měly směřovat na abstrakce</a:t>
+            </a:r>
+            <a:r>
+              <a:rPr lang="cs-CZ" dirty="0"/>
+              <a:t>, ne na konkrétní třídy.</a:t>
+            </a:r>
+          </a:p>
+          <a:p>
+            <a:endParaRPr lang="cs-CZ" dirty="0"/>
+          </a:p>
+        </p:txBody>
+      </p:sp>
+      <p:pic>
+        <p:nvPicPr>
+          <p:cNvPr id="1026" name="Picture 2" descr="Understanding SOLID Principles: The Key to Clean and Maintainable Code | by  Sumit Bopche | Medium">
+            <a:extLst>
+              <a:ext uri="{FF2B5EF4-FFF2-40B4-BE49-F238E27FC236}">
+                <a16:creationId xmlns:a16="http://schemas.microsoft.com/office/drawing/2014/main" id="{282CD8A6-0782-4FD9-8D0D-B85BD49C741F}"/>
+              </a:ext>
+            </a:extLst>
+          </p:cNvPr>
+          <p:cNvPicPr>
+            <a:picLocks noChangeAspect="1" noChangeArrowheads="1"/>
+          </p:cNvPicPr>
+          <p:nvPr/>
+        </p:nvPicPr>
+        <p:blipFill>
+          <a:blip r:embed="rId2">
+            <a:extLst>
+              <a:ext uri="{28A0092B-C50C-407E-A947-70E740481C1C}">
+                <a14:useLocalDpi xmlns:a14="http://schemas.microsoft.com/office/drawing/2010/main" val="0"/>
+              </a:ext>
+            </a:extLst>
+          </a:blip>
+          <a:srcRect/>
+          <a:stretch>
+            <a:fillRect/>
+          </a:stretch>
+        </p:blipFill>
+        <p:spPr bwMode="auto">
+          <a:xfrm>
+            <a:off x="810559" y="2620258"/>
+            <a:ext cx="4860568" cy="2783015"/>
+          </a:xfrm>
+          <a:prstGeom prst="rect">
+            <a:avLst/>
+          </a:prstGeom>
+          <a:noFill/>
+          <a:extLst>
+            <a:ext uri="{909E8E84-426E-40DD-AFC4-6F175D3DCCD1}">
+              <a14:hiddenFill xmlns:a14="http://schemas.microsoft.com/office/drawing/2010/main">
+                <a:solidFill>
+                  <a:srgbClr val="FFFFFF"/>
+                </a:solidFill>
+              </a14:hiddenFill>
+            </a:ext>
+          </a:extLst>
+        </p:spPr>
+      </p:pic>
+    </p:spTree>
+    <p:extLst>
+      <p:ext uri="{BB962C8B-B14F-4D97-AF65-F5344CB8AC3E}">
+        <p14:creationId xmlns:p14="http://schemas.microsoft.com/office/powerpoint/2010/main" val="326467140"/>
+      </p:ext>
+    </p:extLst>
+  </p:cSld>
+  <p:clrMapOvr>
+    <a:masterClrMapping/>
+  </p:clrMapOvr>
+</p:sld>
+</file>
+
+<file path=ppt/slides/slide4.xml><?xml version="1.0" encoding="utf-8"?>
+<p:sld xmlns:a="http://schemas.openxmlformats.org/drawingml/2006/main" xmlns:r="http://schemas.openxmlformats.org/officeDocument/2006/relationships" xmlns:p="http://schemas.openxmlformats.org/presentationml/2006/main">
+  <p:cSld>
+    <p:spTree>
+      <p:nvGrpSpPr>
+        <p:cNvPr id="1" name=""/>
+        <p:cNvGrpSpPr/>
+        <p:nvPr/>
+      </p:nvGrpSpPr>
+      <p:grpSpPr>
+        <a:xfrm>
+          <a:off x="0" y="0"/>
+          <a:ext cx="0" cy="0"/>
+          <a:chOff x="0" y="0"/>
+          <a:chExt cx="0" cy="0"/>
+        </a:xfrm>
+      </p:grpSpPr>
+      <p:sp>
+        <p:nvSpPr>
+          <p:cNvPr id="2" name="Nadpis 1">
+            <a:extLst>
+              <a:ext uri="{FF2B5EF4-FFF2-40B4-BE49-F238E27FC236}">
+                <a16:creationId xmlns:a16="http://schemas.microsoft.com/office/drawing/2014/main" id="{BBC425C5-E5FE-4942-A2FC-E9CF00C4906B}"/>
+              </a:ext>
+            </a:extLst>
+          </p:cNvPr>
+          <p:cNvSpPr>
+            <a:spLocks noGrp="1"/>
+          </p:cNvSpPr>
+          <p:nvPr>
+            <p:ph type="title"/>
+          </p:nvPr>
+        </p:nvSpPr>
+        <p:spPr/>
+        <p:txBody>
+          <a:bodyPr/>
+          <a:lstStyle/>
+          <a:p>
+            <a:r>
+              <a:rPr lang="cs-CZ" dirty="0"/>
+              <a:t>GULP</a:t>
+            </a:r>
+          </a:p>
+        </p:txBody>
+      </p:sp>
+      <p:sp>
+        <p:nvSpPr>
+          <p:cNvPr id="4" name="Rectangle 1">
+            <a:extLst>
+              <a:ext uri="{FF2B5EF4-FFF2-40B4-BE49-F238E27FC236}">
+                <a16:creationId xmlns:a16="http://schemas.microsoft.com/office/drawing/2014/main" id="{8B930274-035D-4A7C-932E-EFE79128F41E}"/>
+              </a:ext>
+            </a:extLst>
+          </p:cNvPr>
+          <p:cNvSpPr>
+            <a:spLocks noGrp="1" noChangeArrowheads="1"/>
+          </p:cNvSpPr>
+          <p:nvPr>
+            <p:ph idx="1"/>
+          </p:nvPr>
+        </p:nvSpPr>
+        <p:spPr bwMode="auto">
+          <a:xfrm>
+            <a:off x="2177330" y="2396392"/>
+            <a:ext cx="6846597" cy="923330"/>
+          </a:xfrm>
+          <a:prstGeom prst="rect">
+            <a:avLst/>
+          </a:prstGeom>
+          <a:noFill/>
+          <a:ln>
+            <a:noFill/>
+          </a:ln>
+          <a:effectLst/>
+          <a:extLst>
+            <a:ext uri="{909E8E84-426E-40DD-AFC4-6F175D3DCCD1}">
+              <a14:hiddenFill xmlns:a14="http://schemas.microsoft.com/office/drawing/2010/main">
+                <a:solidFill>
+                  <a:schemeClr val="accent1"/>
+                </a:solidFill>
+              </a14:hiddenFill>
+            </a:ext>
+            <a:ext uri="{91240B29-F687-4F45-9708-019B960494DF}">
+              <a14:hiddenLine xmlns:a14="http://schemas.microsoft.com/office/drawing/2010/main" w="9525">
+                <a:solidFill>
+                  <a:schemeClr val="tx1"/>
+                </a:solidFill>
+                <a:miter lim="800000"/>
+                <a:headEnd/>
+                <a:tailEnd/>
+              </a14:hiddenLine>
+            </a:ext>
+            <a:ext uri="{AF507438-7753-43E0-B8FC-AC1667EBCBE1}">
+              <a14:hiddenEffects xmlns:a14="http://schemas.microsoft.com/office/drawing/2010/main">
+                <a:effectLst>
+                  <a:outerShdw dist="35921" dir="2700000" algn="ctr" rotWithShape="0">
+                    <a:schemeClr val="bg2"/>
+                  </a:outerShdw>
+                </a:effectLst>
+              </a14:hiddenEffects>
+            </a:ext>
+          </a:extLst>
+        </p:spPr>
+        <p:txBody>
+          <a:bodyPr vert="horz" wrap="square" lIns="91440" tIns="45720" rIns="91440" bIns="45720" numCol="1" anchor="ctr" anchorCtr="0" compatLnSpc="1">
+            <a:prstTxWarp prst="textNoShape">
+              <a:avLst/>
+            </a:prstTxWarp>
+            <a:spAutoFit/>
+          </a:bodyPr>
+          <a:lstStyle/>
+          <a:p>
+            <a:pPr eaLnBrk="0" fontAlgn="base" hangingPunct="0">
+              <a:lnSpc>
+                <a:spcPct val="100000"/>
+              </a:lnSpc>
+              <a:spcBef>
+                <a:spcPct val="0"/>
+              </a:spcBef>
+              <a:spcAft>
+                <a:spcPct val="0"/>
+              </a:spcAft>
+            </a:pPr>
+            <a:r>
+              <a:rPr kumimoji="0" lang="cs-CZ" altLang="cs-CZ" sz="1800" i="0" u="none" strike="noStrike" cap="none" normalizeH="0" baseline="0" dirty="0">
+                <a:ln>
+                  <a:noFill/>
+                </a:ln>
+                <a:solidFill>
+                  <a:schemeClr val="tx1"/>
+                </a:solidFill>
+                <a:effectLst/>
+                <a:latin typeface="Arial" panose="020B0604020202020204" pitchFamily="34" charset="0"/>
+              </a:rPr>
+              <a:t>Tvořivé vzory (</a:t>
+            </a:r>
+            <a:r>
+              <a:rPr kumimoji="0" lang="cs-CZ" altLang="cs-CZ" sz="1800" i="0" u="none" strike="noStrike" cap="none" normalizeH="0" baseline="0" dirty="0" err="1">
+                <a:ln>
+                  <a:noFill/>
+                </a:ln>
+                <a:solidFill>
+                  <a:schemeClr val="tx1"/>
+                </a:solidFill>
+                <a:effectLst/>
+                <a:latin typeface="Arial" panose="020B0604020202020204" pitchFamily="34" charset="0"/>
+              </a:rPr>
+              <a:t>Creational</a:t>
+            </a:r>
+            <a:r>
+              <a:rPr lang="cs-CZ" altLang="cs-CZ" sz="1800" dirty="0">
+                <a:latin typeface="Arial" panose="020B0604020202020204" pitchFamily="34" charset="0"/>
+              </a:rPr>
+              <a:t> </a:t>
+            </a:r>
+            <a:r>
+              <a:rPr kumimoji="0" lang="cs-CZ" altLang="cs-CZ" sz="1800" i="0" u="none" strike="noStrike" cap="none" normalizeH="0" baseline="0" dirty="0" err="1">
+                <a:ln>
+                  <a:noFill/>
+                </a:ln>
+                <a:solidFill>
+                  <a:schemeClr val="tx1"/>
+                </a:solidFill>
+                <a:effectLst/>
+                <a:latin typeface="Arial" panose="020B0604020202020204" pitchFamily="34" charset="0"/>
+              </a:rPr>
+              <a:t>Patterns</a:t>
+            </a:r>
+            <a:r>
+              <a:rPr kumimoji="0" lang="cs-CZ" altLang="cs-CZ" sz="1800" i="0" u="none" strike="noStrike" cap="none" normalizeH="0" baseline="0" dirty="0">
+                <a:ln>
+                  <a:noFill/>
+                </a:ln>
+                <a:solidFill>
+                  <a:schemeClr val="tx1"/>
+                </a:solidFill>
+                <a:effectLst/>
+                <a:latin typeface="Arial" panose="020B0604020202020204" pitchFamily="34" charset="0"/>
+              </a:rPr>
+              <a:t>)</a:t>
+            </a:r>
+          </a:p>
+          <a:p>
+            <a:pPr eaLnBrk="0" fontAlgn="base" hangingPunct="0">
+              <a:lnSpc>
+                <a:spcPct val="100000"/>
+              </a:lnSpc>
+              <a:spcBef>
+                <a:spcPct val="0"/>
+              </a:spcBef>
+              <a:spcAft>
+                <a:spcPct val="0"/>
+              </a:spcAft>
+            </a:pPr>
+            <a:r>
+              <a:rPr lang="cs-CZ" sz="1800" dirty="0"/>
+              <a:t>Strukturální vzory (</a:t>
+            </a:r>
+            <a:r>
+              <a:rPr lang="cs-CZ" sz="1800" dirty="0" err="1"/>
+              <a:t>Structural</a:t>
+            </a:r>
+            <a:r>
+              <a:rPr lang="cs-CZ" sz="1800" dirty="0"/>
+              <a:t> </a:t>
+            </a:r>
+            <a:r>
+              <a:rPr lang="cs-CZ" sz="1800" dirty="0" err="1"/>
+              <a:t>Patterns</a:t>
+            </a:r>
+            <a:r>
+              <a:rPr lang="cs-CZ" sz="1800" dirty="0"/>
+              <a:t>)</a:t>
+            </a:r>
+          </a:p>
+          <a:p>
+            <a:pPr eaLnBrk="0" fontAlgn="base" hangingPunct="0">
+              <a:lnSpc>
+                <a:spcPct val="100000"/>
+              </a:lnSpc>
+              <a:spcBef>
+                <a:spcPct val="0"/>
+              </a:spcBef>
+              <a:spcAft>
+                <a:spcPct val="0"/>
+              </a:spcAft>
+            </a:pPr>
+            <a:r>
+              <a:rPr lang="cs-CZ" sz="1800" dirty="0"/>
+              <a:t>Behaviorální vzory (</a:t>
+            </a:r>
+            <a:r>
+              <a:rPr lang="cs-CZ" sz="1800" dirty="0" err="1"/>
+              <a:t>Behavioral</a:t>
+            </a:r>
+            <a:r>
+              <a:rPr lang="cs-CZ" sz="1800" dirty="0"/>
+              <a:t> </a:t>
+            </a:r>
+            <a:r>
+              <a:rPr lang="cs-CZ" sz="1800" dirty="0" err="1"/>
+              <a:t>Patterns</a:t>
+            </a:r>
+            <a:r>
+              <a:rPr lang="cs-CZ" sz="1800" dirty="0"/>
+              <a:t>)</a:t>
+            </a:r>
+            <a:endParaRPr kumimoji="0" lang="cs-CZ" altLang="cs-CZ" sz="1800" b="1" i="0" u="none" strike="noStrike" cap="none" normalizeH="0" baseline="0" dirty="0">
+              <a:ln>
+                <a:noFill/>
+              </a:ln>
+              <a:solidFill>
+                <a:schemeClr val="tx1"/>
+              </a:solidFill>
+              <a:effectLst/>
+              <a:latin typeface="Arial" panose="020B0604020202020204" pitchFamily="34" charset="0"/>
+            </a:endParaRPr>
+          </a:p>
+        </p:txBody>
+      </p:sp>
+    </p:spTree>
+    <p:extLst>
+      <p:ext uri="{BB962C8B-B14F-4D97-AF65-F5344CB8AC3E}">
+        <p14:creationId xmlns:p14="http://schemas.microsoft.com/office/powerpoint/2010/main" val="1679612830"/>
+      </p:ext>
+    </p:extLst>
+  </p:cSld>
+  <p:clrMapOvr>
+    <a:masterClrMapping/>
+  </p:clrMapOvr>
+</p:sld>
+</file>
+
+<file path=ppt/slides/slide5.xml><?xml version="1.0" encoding="utf-8"?>
+<p:sld xmlns:a="http://schemas.openxmlformats.org/drawingml/2006/main" xmlns:r="http://schemas.openxmlformats.org/officeDocument/2006/relationships" xmlns:p="http://schemas.openxmlformats.org/presentationml/2006/main">
+  <p:cSld>
+    <p:spTree>
+      <p:nvGrpSpPr>
+        <p:cNvPr id="1" name=""/>
+        <p:cNvGrpSpPr/>
+        <p:nvPr/>
+      </p:nvGrpSpPr>
+      <p:grpSpPr>
+        <a:xfrm>
+          <a:off x="0" y="0"/>
+          <a:ext cx="0" cy="0"/>
+          <a:chOff x="0" y="0"/>
+          <a:chExt cx="0" cy="0"/>
+        </a:xfrm>
+      </p:grpSpPr>
+      <p:sp>
+        <p:nvSpPr>
+          <p:cNvPr id="2" name="Nadpis 1">
+            <a:extLst>
+              <a:ext uri="{FF2B5EF4-FFF2-40B4-BE49-F238E27FC236}">
                 <a16:creationId xmlns:a16="http://schemas.microsoft.com/office/drawing/2014/main" id="{8CAC9A68-F294-F797-C00E-6B6541245D57}"/>
               </a:ext>
             </a:extLst>
@@ -8477,7 +9137,7 @@
 </p:sld>
 </file>
 
-<file path=ppt/slides/slide4.xml><?xml version="1.0" encoding="utf-8"?>
+<file path=ppt/slides/slide6.xml><?xml version="1.0" encoding="utf-8"?>
 <p:sld xmlns:a="http://schemas.openxmlformats.org/drawingml/2006/main" xmlns:r="http://schemas.openxmlformats.org/officeDocument/2006/relationships" xmlns:p="http://schemas.openxmlformats.org/presentationml/2006/main">
   <p:cSld>
     <p:spTree>
@@ -8813,7 +9473,7 @@
 </p:sld>
 </file>
 
-<file path=ppt/slides/slide5.xml><?xml version="1.0" encoding="utf-8"?>
+<file path=ppt/slides/slide7.xml><?xml version="1.0" encoding="utf-8"?>
 <p:sld xmlns:a="http://schemas.openxmlformats.org/drawingml/2006/main" xmlns:r="http://schemas.openxmlformats.org/officeDocument/2006/relationships" xmlns:p="http://schemas.openxmlformats.org/presentationml/2006/main">
   <p:cSld>
     <p:spTree>
@@ -9384,7 +10044,7 @@
 </p:sld>
 </file>
 
-<file path=ppt/slides/slide6.xml><?xml version="1.0" encoding="utf-8"?>
+<file path=ppt/slides/slide8.xml><?xml version="1.0" encoding="utf-8"?>
 <p:sld xmlns:a="http://schemas.openxmlformats.org/drawingml/2006/main" xmlns:r="http://schemas.openxmlformats.org/officeDocument/2006/relationships" xmlns:p="http://schemas.openxmlformats.org/presentationml/2006/main">
   <p:cSld>
     <p:bg>
@@ -10034,7 +10694,7 @@
 </p:sld>
 </file>
 
-<file path=ppt/slides/slide7.xml><?xml version="1.0" encoding="utf-8"?>
+<file path=ppt/slides/slide9.xml><?xml version="1.0" encoding="utf-8"?>
 <p:sld xmlns:a="http://schemas.openxmlformats.org/drawingml/2006/main" xmlns:r="http://schemas.openxmlformats.org/officeDocument/2006/relationships" xmlns:p="http://schemas.openxmlformats.org/presentationml/2006/main">
   <p:cSld>
     <p:spTree>
